--- a/3.1 Activity-PSS_ Turtle.pptx
+++ b/3.1 Activity-PSS_ Turtle.pptx
@@ -26,14 +26,14 @@
       <p:boldItalic r:id="rId12"/>
     </p:embeddedFont>
     <p:embeddedFont>
-      <p:font typeface="Merriweather" panose="020B0604020202020204" charset="0"/>
+      <p:font typeface="Merriweather" panose="00000500000000000000" pitchFamily="2" charset="0"/>
       <p:regular r:id="rId13"/>
       <p:bold r:id="rId14"/>
       <p:italic r:id="rId15"/>
       <p:boldItalic r:id="rId16"/>
     </p:embeddedFont>
     <p:embeddedFont>
-      <p:font typeface="Roboto" panose="020B0604020202020204" charset="0"/>
+      <p:font typeface="Roboto" panose="02000000000000000000" pitchFamily="2" charset="0"/>
       <p:regular r:id="rId17"/>
       <p:bold r:id="rId18"/>
       <p:italic r:id="rId19"/>
@@ -12415,260 +12415,6 @@
           </a:p>
         </p:txBody>
       </p:sp>
-      <p:sp>
-        <p:nvSpPr>
-          <p:cNvPr id="471" name="Google Shape;471;p41"/>
-          <p:cNvSpPr/>
-          <p:nvPr/>
-        </p:nvSpPr>
-        <p:spPr>
-          <a:xfrm>
-            <a:off x="6758950" y="2704850"/>
-            <a:ext cx="619200" cy="619200"/>
-          </a:xfrm>
-          <a:prstGeom prst="rect">
-            <a:avLst/>
-          </a:prstGeom>
-          <a:solidFill>
-            <a:schemeClr val="lt2"/>
-          </a:solidFill>
-          <a:ln w="9525" cap="flat" cmpd="sng">
-            <a:solidFill>
-              <a:schemeClr val="dk2"/>
-            </a:solidFill>
-            <a:prstDash val="solid"/>
-            <a:round/>
-            <a:headEnd type="none" w="sm" len="sm"/>
-            <a:tailEnd type="none" w="sm" len="sm"/>
-          </a:ln>
-        </p:spPr>
-        <p:txBody>
-          <a:bodyPr spcFirstLastPara="1" wrap="square" lIns="91425" tIns="91425" rIns="91425" bIns="91425" anchor="ctr" anchorCtr="0">
-            <a:noAutofit/>
-          </a:bodyPr>
-          <a:lstStyle/>
-          <a:p>
-            <a:pPr marL="0" lvl="0" indent="0" algn="l" rtl="0">
-              <a:spcBef>
-                <a:spcPts val="0"/>
-              </a:spcBef>
-              <a:spcAft>
-                <a:spcPts val="0"/>
-              </a:spcAft>
-              <a:buNone/>
-            </a:pPr>
-            <a:endParaRPr/>
-          </a:p>
-        </p:txBody>
-      </p:sp>
-      <p:sp>
-        <p:nvSpPr>
-          <p:cNvPr id="472" name="Google Shape;472;p41"/>
-          <p:cNvSpPr txBox="1"/>
-          <p:nvPr/>
-        </p:nvSpPr>
-        <p:spPr>
-          <a:xfrm>
-            <a:off x="6236550" y="2426475"/>
-            <a:ext cx="619200" cy="426000"/>
-          </a:xfrm>
-          <a:prstGeom prst="rect">
-            <a:avLst/>
-          </a:prstGeom>
-          <a:noFill/>
-          <a:ln>
-            <a:noFill/>
-          </a:ln>
-        </p:spPr>
-        <p:txBody>
-          <a:bodyPr spcFirstLastPara="1" wrap="square" lIns="91425" tIns="91425" rIns="91425" bIns="91425" anchor="t" anchorCtr="0">
-            <a:noAutofit/>
-          </a:bodyPr>
-          <a:lstStyle/>
-          <a:p>
-            <a:pPr marL="0" lvl="0" indent="0" algn="l" rtl="0">
-              <a:spcBef>
-                <a:spcPts val="0"/>
-              </a:spcBef>
-              <a:spcAft>
-                <a:spcPts val="0"/>
-              </a:spcAft>
-              <a:buNone/>
-            </a:pPr>
-            <a:r>
-              <a:rPr lang="en-US">
-                <a:latin typeface="Roboto"/>
-                <a:ea typeface="Roboto"/>
-                <a:cs typeface="Roboto"/>
-                <a:sym typeface="Roboto"/>
-              </a:rPr>
-              <a:t>0,0</a:t>
-            </a:r>
-            <a:endParaRPr>
-              <a:latin typeface="Roboto"/>
-              <a:ea typeface="Roboto"/>
-              <a:cs typeface="Roboto"/>
-              <a:sym typeface="Roboto"/>
-            </a:endParaRPr>
-          </a:p>
-        </p:txBody>
-      </p:sp>
-      <p:sp>
-        <p:nvSpPr>
-          <p:cNvPr id="473" name="Google Shape;473;p41"/>
-          <p:cNvSpPr txBox="1"/>
-          <p:nvPr/>
-        </p:nvSpPr>
-        <p:spPr>
-          <a:xfrm>
-            <a:off x="7379550" y="2426475"/>
-            <a:ext cx="619200" cy="426000"/>
-          </a:xfrm>
-          <a:prstGeom prst="rect">
-            <a:avLst/>
-          </a:prstGeom>
-          <a:noFill/>
-          <a:ln>
-            <a:noFill/>
-          </a:ln>
-        </p:spPr>
-        <p:txBody>
-          <a:bodyPr spcFirstLastPara="1" wrap="square" lIns="91425" tIns="91425" rIns="91425" bIns="91425" anchor="t" anchorCtr="0">
-            <a:noAutofit/>
-          </a:bodyPr>
-          <a:lstStyle/>
-          <a:p>
-            <a:pPr marL="0" lvl="0" indent="0" algn="l" rtl="0">
-              <a:spcBef>
-                <a:spcPts val="0"/>
-              </a:spcBef>
-              <a:spcAft>
-                <a:spcPts val="0"/>
-              </a:spcAft>
-              <a:buNone/>
-            </a:pPr>
-            <a:r>
-              <a:rPr lang="en-US">
-                <a:latin typeface="Roboto"/>
-                <a:ea typeface="Roboto"/>
-                <a:cs typeface="Roboto"/>
-                <a:sym typeface="Roboto"/>
-              </a:rPr>
-              <a:t>50,0</a:t>
-            </a:r>
-            <a:endParaRPr>
-              <a:latin typeface="Roboto"/>
-              <a:ea typeface="Roboto"/>
-              <a:cs typeface="Roboto"/>
-              <a:sym typeface="Roboto"/>
-            </a:endParaRPr>
-          </a:p>
-        </p:txBody>
-      </p:sp>
-      <p:sp>
-        <p:nvSpPr>
-          <p:cNvPr id="474" name="Google Shape;474;p41"/>
-          <p:cNvSpPr txBox="1"/>
-          <p:nvPr/>
-        </p:nvSpPr>
-        <p:spPr>
-          <a:xfrm>
-            <a:off x="7379550" y="3188475"/>
-            <a:ext cx="1026900" cy="426000"/>
-          </a:xfrm>
-          <a:prstGeom prst="rect">
-            <a:avLst/>
-          </a:prstGeom>
-          <a:noFill/>
-          <a:ln>
-            <a:noFill/>
-          </a:ln>
-        </p:spPr>
-        <p:txBody>
-          <a:bodyPr spcFirstLastPara="1" wrap="square" lIns="91425" tIns="91425" rIns="91425" bIns="91425" anchor="t" anchorCtr="0">
-            <a:noAutofit/>
-          </a:bodyPr>
-          <a:lstStyle/>
-          <a:p>
-            <a:pPr marL="0" lvl="0" indent="0" algn="l" rtl="0">
-              <a:spcBef>
-                <a:spcPts val="0"/>
-              </a:spcBef>
-              <a:spcAft>
-                <a:spcPts val="0"/>
-              </a:spcAft>
-              <a:buNone/>
-            </a:pPr>
-            <a:r>
-              <a:rPr lang="en-US">
-                <a:latin typeface="Roboto"/>
-                <a:ea typeface="Roboto"/>
-                <a:cs typeface="Roboto"/>
-                <a:sym typeface="Roboto"/>
-              </a:rPr>
-              <a:t>50,-50</a:t>
-            </a:r>
-            <a:endParaRPr>
-              <a:latin typeface="Roboto"/>
-              <a:ea typeface="Roboto"/>
-              <a:cs typeface="Roboto"/>
-              <a:sym typeface="Roboto"/>
-            </a:endParaRPr>
-          </a:p>
-        </p:txBody>
-      </p:sp>
-      <p:sp>
-        <p:nvSpPr>
-          <p:cNvPr id="475" name="Google Shape;475;p41"/>
-          <p:cNvSpPr txBox="1"/>
-          <p:nvPr/>
-        </p:nvSpPr>
-        <p:spPr>
-          <a:xfrm>
-            <a:off x="5842775" y="3188475"/>
-            <a:ext cx="936900" cy="426000"/>
-          </a:xfrm>
-          <a:prstGeom prst="rect">
-            <a:avLst/>
-          </a:prstGeom>
-          <a:noFill/>
-          <a:ln>
-            <a:noFill/>
-          </a:ln>
-        </p:spPr>
-        <p:txBody>
-          <a:bodyPr spcFirstLastPara="1" wrap="square" lIns="91425" tIns="91425" rIns="91425" bIns="91425" anchor="t" anchorCtr="0">
-            <a:noAutofit/>
-          </a:bodyPr>
-          <a:lstStyle/>
-          <a:p>
-            <a:pPr marL="0" lvl="0" indent="0" algn="l" rtl="0">
-              <a:spcBef>
-                <a:spcPts val="0"/>
-              </a:spcBef>
-              <a:spcAft>
-                <a:spcPts val="0"/>
-              </a:spcAft>
-              <a:buNone/>
-            </a:pPr>
-            <a:r>
-              <a:rPr lang="en-US">
-                <a:latin typeface="Roboto"/>
-                <a:ea typeface="Roboto"/>
-                <a:cs typeface="Roboto"/>
-                <a:sym typeface="Roboto"/>
-              </a:rPr>
-              <a:t>0,-50</a:t>
-            </a:r>
-            <a:endParaRPr>
-              <a:latin typeface="Roboto"/>
-              <a:ea typeface="Roboto"/>
-              <a:cs typeface="Roboto"/>
-              <a:sym typeface="Roboto"/>
-            </a:endParaRPr>
-          </a:p>
-        </p:txBody>
-      </p:sp>
     </p:spTree>
   </p:cSld>
   <p:clrMapOvr>
@@ -13121,260 +12867,6 @@
               <a:t>200</a:t>
             </a:r>
             <a:endParaRPr/>
-          </a:p>
-        </p:txBody>
-      </p:sp>
-      <p:sp>
-        <p:nvSpPr>
-          <p:cNvPr id="494" name="Google Shape;494;p42"/>
-          <p:cNvSpPr/>
-          <p:nvPr/>
-        </p:nvSpPr>
-        <p:spPr>
-          <a:xfrm>
-            <a:off x="2483425" y="2901550"/>
-            <a:ext cx="771600" cy="771600"/>
-          </a:xfrm>
-          <a:prstGeom prst="rect">
-            <a:avLst/>
-          </a:prstGeom>
-          <a:solidFill>
-            <a:schemeClr val="lt2"/>
-          </a:solidFill>
-          <a:ln w="9525" cap="flat" cmpd="sng">
-            <a:solidFill>
-              <a:schemeClr val="dk2"/>
-            </a:solidFill>
-            <a:prstDash val="solid"/>
-            <a:round/>
-            <a:headEnd type="none" w="sm" len="sm"/>
-            <a:tailEnd type="none" w="sm" len="sm"/>
-          </a:ln>
-        </p:spPr>
-        <p:txBody>
-          <a:bodyPr spcFirstLastPara="1" wrap="square" lIns="91425" tIns="91425" rIns="91425" bIns="91425" anchor="ctr" anchorCtr="0">
-            <a:noAutofit/>
-          </a:bodyPr>
-          <a:lstStyle/>
-          <a:p>
-            <a:pPr marL="0" lvl="0" indent="0" algn="l" rtl="0">
-              <a:spcBef>
-                <a:spcPts val="0"/>
-              </a:spcBef>
-              <a:spcAft>
-                <a:spcPts val="0"/>
-              </a:spcAft>
-              <a:buNone/>
-            </a:pPr>
-            <a:endParaRPr/>
-          </a:p>
-        </p:txBody>
-      </p:sp>
-      <p:sp>
-        <p:nvSpPr>
-          <p:cNvPr id="495" name="Google Shape;495;p42"/>
-          <p:cNvSpPr txBox="1"/>
-          <p:nvPr/>
-        </p:nvSpPr>
-        <p:spPr>
-          <a:xfrm>
-            <a:off x="1679750" y="2571750"/>
-            <a:ext cx="940200" cy="305400"/>
-          </a:xfrm>
-          <a:prstGeom prst="rect">
-            <a:avLst/>
-          </a:prstGeom>
-          <a:noFill/>
-          <a:ln>
-            <a:noFill/>
-          </a:ln>
-        </p:spPr>
-        <p:txBody>
-          <a:bodyPr spcFirstLastPara="1" wrap="square" lIns="91425" tIns="91425" rIns="91425" bIns="91425" anchor="t" anchorCtr="0">
-            <a:noAutofit/>
-          </a:bodyPr>
-          <a:lstStyle/>
-          <a:p>
-            <a:pPr marL="0" lvl="0" indent="0" algn="l" rtl="0">
-              <a:spcBef>
-                <a:spcPts val="0"/>
-              </a:spcBef>
-              <a:spcAft>
-                <a:spcPts val="0"/>
-              </a:spcAft>
-              <a:buNone/>
-            </a:pPr>
-            <a:r>
-              <a:rPr lang="en-US">
-                <a:latin typeface="Roboto"/>
-                <a:ea typeface="Roboto"/>
-                <a:cs typeface="Roboto"/>
-                <a:sym typeface="Roboto"/>
-              </a:rPr>
-              <a:t>100, 100</a:t>
-            </a:r>
-            <a:endParaRPr>
-              <a:latin typeface="Roboto"/>
-              <a:ea typeface="Roboto"/>
-              <a:cs typeface="Roboto"/>
-              <a:sym typeface="Roboto"/>
-            </a:endParaRPr>
-          </a:p>
-        </p:txBody>
-      </p:sp>
-      <p:sp>
-        <p:nvSpPr>
-          <p:cNvPr id="496" name="Google Shape;496;p42"/>
-          <p:cNvSpPr txBox="1"/>
-          <p:nvPr/>
-        </p:nvSpPr>
-        <p:spPr>
-          <a:xfrm>
-            <a:off x="3029625" y="2630125"/>
-            <a:ext cx="940200" cy="305400"/>
-          </a:xfrm>
-          <a:prstGeom prst="rect">
-            <a:avLst/>
-          </a:prstGeom>
-          <a:noFill/>
-          <a:ln>
-            <a:noFill/>
-          </a:ln>
-        </p:spPr>
-        <p:txBody>
-          <a:bodyPr spcFirstLastPara="1" wrap="square" lIns="91425" tIns="91425" rIns="91425" bIns="91425" anchor="t" anchorCtr="0">
-            <a:noAutofit/>
-          </a:bodyPr>
-          <a:lstStyle/>
-          <a:p>
-            <a:pPr marL="0" lvl="0" indent="0" algn="l" rtl="0">
-              <a:spcBef>
-                <a:spcPts val="0"/>
-              </a:spcBef>
-              <a:spcAft>
-                <a:spcPts val="0"/>
-              </a:spcAft>
-              <a:buNone/>
-            </a:pPr>
-            <a:r>
-              <a:rPr lang="en-US">
-                <a:latin typeface="Roboto"/>
-                <a:ea typeface="Roboto"/>
-                <a:cs typeface="Roboto"/>
-                <a:sym typeface="Roboto"/>
-              </a:rPr>
-              <a:t>150, 100</a:t>
-            </a:r>
-            <a:endParaRPr>
-              <a:latin typeface="Roboto"/>
-              <a:ea typeface="Roboto"/>
-              <a:cs typeface="Roboto"/>
-              <a:sym typeface="Roboto"/>
-            </a:endParaRPr>
-          </a:p>
-        </p:txBody>
-      </p:sp>
-      <p:sp>
-        <p:nvSpPr>
-          <p:cNvPr id="497" name="Google Shape;497;p42"/>
-          <p:cNvSpPr txBox="1"/>
-          <p:nvPr/>
-        </p:nvSpPr>
-        <p:spPr>
-          <a:xfrm>
-            <a:off x="3029625" y="3620725"/>
-            <a:ext cx="940200" cy="305400"/>
-          </a:xfrm>
-          <a:prstGeom prst="rect">
-            <a:avLst/>
-          </a:prstGeom>
-          <a:noFill/>
-          <a:ln>
-            <a:noFill/>
-          </a:ln>
-        </p:spPr>
-        <p:txBody>
-          <a:bodyPr spcFirstLastPara="1" wrap="square" lIns="91425" tIns="91425" rIns="91425" bIns="91425" anchor="t" anchorCtr="0">
-            <a:noAutofit/>
-          </a:bodyPr>
-          <a:lstStyle/>
-          <a:p>
-            <a:pPr marL="0" lvl="0" indent="0" algn="l" rtl="0">
-              <a:spcBef>
-                <a:spcPts val="0"/>
-              </a:spcBef>
-              <a:spcAft>
-                <a:spcPts val="0"/>
-              </a:spcAft>
-              <a:buNone/>
-            </a:pPr>
-            <a:r>
-              <a:rPr lang="en-US">
-                <a:latin typeface="Roboto"/>
-                <a:ea typeface="Roboto"/>
-                <a:cs typeface="Roboto"/>
-                <a:sym typeface="Roboto"/>
-              </a:rPr>
-              <a:t>150, 150</a:t>
-            </a:r>
-            <a:endParaRPr>
-              <a:latin typeface="Roboto"/>
-              <a:ea typeface="Roboto"/>
-              <a:cs typeface="Roboto"/>
-              <a:sym typeface="Roboto"/>
-            </a:endParaRPr>
-          </a:p>
-        </p:txBody>
-      </p:sp>
-      <p:sp>
-        <p:nvSpPr>
-          <p:cNvPr id="498" name="Google Shape;498;p42"/>
-          <p:cNvSpPr txBox="1"/>
-          <p:nvPr/>
-        </p:nvSpPr>
-        <p:spPr>
-          <a:xfrm>
-            <a:off x="1810425" y="3620725"/>
-            <a:ext cx="940200" cy="305400"/>
-          </a:xfrm>
-          <a:prstGeom prst="rect">
-            <a:avLst/>
-          </a:prstGeom>
-          <a:noFill/>
-          <a:ln>
-            <a:noFill/>
-          </a:ln>
-        </p:spPr>
-        <p:txBody>
-          <a:bodyPr spcFirstLastPara="1" wrap="square" lIns="91425" tIns="91425" rIns="91425" bIns="91425" anchor="t" anchorCtr="0">
-            <a:noAutofit/>
-          </a:bodyPr>
-          <a:lstStyle/>
-          <a:p>
-            <a:pPr marL="0" lvl="0" indent="0" algn="l" rtl="0">
-              <a:spcBef>
-                <a:spcPts val="0"/>
-              </a:spcBef>
-              <a:spcAft>
-                <a:spcPts val="0"/>
-              </a:spcAft>
-              <a:buNone/>
-            </a:pPr>
-            <a:r>
-              <a:rPr lang="en-US">
-                <a:latin typeface="Roboto"/>
-                <a:ea typeface="Roboto"/>
-                <a:cs typeface="Roboto"/>
-                <a:sym typeface="Roboto"/>
-              </a:rPr>
-              <a:t>100, 150</a:t>
-            </a:r>
-            <a:endParaRPr>
-              <a:latin typeface="Roboto"/>
-              <a:ea typeface="Roboto"/>
-              <a:cs typeface="Roboto"/>
-              <a:sym typeface="Roboto"/>
-            </a:endParaRPr>
           </a:p>
         </p:txBody>
       </p:sp>
